--- a/嵌入式影像處理1219進度報告.pptx
+++ b/嵌入式影像處理1219進度報告.pptx
@@ -5,24 +5,23 @@
     <p:sldMasterId id="2147483648" r:id="rId1"/>
   </p:sldMasterIdLst>
   <p:notesMasterIdLst>
-    <p:notesMasterId r:id="rId14"/>
+    <p:notesMasterId r:id="rId13"/>
   </p:notesMasterIdLst>
   <p:handoutMasterIdLst>
-    <p:handoutMasterId r:id="rId15"/>
+    <p:handoutMasterId r:id="rId14"/>
   </p:handoutMasterIdLst>
   <p:sldIdLst>
     <p:sldId id="259" r:id="rId2"/>
     <p:sldId id="267" r:id="rId3"/>
     <p:sldId id="1142" r:id="rId4"/>
     <p:sldId id="1258" r:id="rId5"/>
-    <p:sldId id="1259" r:id="rId6"/>
-    <p:sldId id="1257" r:id="rId7"/>
+    <p:sldId id="1257" r:id="rId6"/>
+    <p:sldId id="1259" r:id="rId7"/>
     <p:sldId id="1256" r:id="rId8"/>
-    <p:sldId id="1265" r:id="rId9"/>
-    <p:sldId id="1266" r:id="rId10"/>
-    <p:sldId id="1260" r:id="rId11"/>
-    <p:sldId id="1262" r:id="rId12"/>
-    <p:sldId id="1264" r:id="rId13"/>
+    <p:sldId id="1266" r:id="rId9"/>
+    <p:sldId id="1260" r:id="rId10"/>
+    <p:sldId id="1262" r:id="rId11"/>
+    <p:sldId id="1264" r:id="rId12"/>
   </p:sldIdLst>
   <p:sldSz cx="12192000" cy="6858000"/>
   <p:notesSz cx="6858000" cy="9144000"/>
@@ -122,6 +121,45 @@
     </a:lvl9pPr>
   </p:defaultTextStyle>
   <p:extLst>
+    <p:ext uri="{521415D9-36F7-43E2-AB2F-B90AF26B5E84}">
+      <p14:sectionLst xmlns:p14="http://schemas.microsoft.com/office/powerpoint/2010/main">
+        <p14:section name="首頁" id="{42700F38-EA53-4D63-888A-9C07255F6FF7}">
+          <p14:sldIdLst>
+            <p14:sldId id="259"/>
+          </p14:sldIdLst>
+        </p14:section>
+        <p14:section name="進度統整" id="{E1445F67-32BB-4E10-B360-831918C82BDA}">
+          <p14:sldIdLst>
+            <p14:sldId id="267"/>
+          </p14:sldIdLst>
+        </p14:section>
+        <p14:section name="需求分析" id="{17FF64A4-263B-488B-9C54-D7070C262513}">
+          <p14:sldIdLst>
+            <p14:sldId id="1142"/>
+          </p14:sldIdLst>
+        </p14:section>
+        <p14:section name="Breakdown" id="{43586F51-4419-49C6-BE50-DA5C3A78086B}">
+          <p14:sldIdLst>
+            <p14:sldId id="1258"/>
+            <p14:sldId id="1257"/>
+          </p14:sldIdLst>
+        </p14:section>
+        <p14:section name="架構圖" id="{76D08226-E662-43C7-AA7E-FF81A52627EA}">
+          <p14:sldIdLst>
+            <p14:sldId id="1259"/>
+            <p14:sldId id="1256"/>
+            <p14:sldId id="1266"/>
+          </p14:sldIdLst>
+        </p14:section>
+        <p14:section name="API" id="{7233A3E7-9258-466F-891F-71C586B52FBE}">
+          <p14:sldIdLst>
+            <p14:sldId id="1260"/>
+            <p14:sldId id="1262"/>
+            <p14:sldId id="1264"/>
+          </p14:sldIdLst>
+        </p14:section>
+      </p14:sectionLst>
+    </p:ext>
     <p:ext uri="{EFAFB233-063F-42B5-8137-9DF3F51BA10A}">
       <p15:sldGuideLst xmlns:p15="http://schemas.microsoft.com/office/powerpoint/2012/main"/>
     </p:ext>
@@ -19968,773 +20006,6 @@
           <p:nvPr>
             <p:extLst>
               <p:ext uri="{D42A27DB-BD31-4B8C-83A1-F6EECF244321}">
-                <p14:modId xmlns:p14="http://schemas.microsoft.com/office/powerpoint/2010/main" val="1555762674"/>
-              </p:ext>
-            </p:extLst>
-          </p:nvPr>
-        </p:nvGraphicFramePr>
-        <p:xfrm>
-          <a:off x="2032000" y="4033318"/>
-          <a:ext cx="8128000" cy="2123440"/>
-        </p:xfrm>
-        <a:graphic>
-          <a:graphicData uri="http://schemas.openxmlformats.org/drawingml/2006/table">
-            <a:tbl>
-              <a:tblPr firstRow="1" bandRow="1">
-                <a:tableStyleId>{5C22544A-7EE6-4342-B048-85BDC9FD1C3A}</a:tableStyleId>
-              </a:tblPr>
-              <a:tblGrid>
-                <a:gridCol w="4064000">
-                  <a:extLst>
-                    <a:ext uri="{9D8B030D-6E8A-4147-A177-3AD203B41FA5}">
-                      <a16:colId xmlns:a16="http://schemas.microsoft.com/office/drawing/2014/main" val="65457947"/>
-                    </a:ext>
-                  </a:extLst>
-                </a:gridCol>
-                <a:gridCol w="4064000">
-                  <a:extLst>
-                    <a:ext uri="{9D8B030D-6E8A-4147-A177-3AD203B41FA5}">
-                      <a16:colId xmlns:a16="http://schemas.microsoft.com/office/drawing/2014/main" val="1560695292"/>
-                    </a:ext>
-                  </a:extLst>
-                </a:gridCol>
-              </a:tblGrid>
-              <a:tr h="370840">
-                <a:tc>
-                  <a:txBody>
-                    <a:bodyPr/>
-                    <a:lstStyle/>
-                    <a:p>
-                      <a:endParaRPr lang="zh-TW" altLang="en-US" dirty="0">
-                        <a:latin typeface="Times New Roman" panose="02020603050405020304" pitchFamily="18" charset="0"/>
-                        <a:ea typeface="標楷體" panose="03000509000000000000" pitchFamily="65" charset="-120"/>
-                        <a:cs typeface="Times New Roman" panose="02020603050405020304" pitchFamily="18" charset="0"/>
-                      </a:endParaRPr>
-                    </a:p>
-                  </a:txBody>
-                  <a:tcPr/>
-                </a:tc>
-                <a:tc>
-                  <a:txBody>
-                    <a:bodyPr/>
-                    <a:lstStyle/>
-                    <a:p>
-                      <a:pPr marL="0" marR="0" lvl="0" indent="0" algn="l" defTabSz="914400" rtl="0" eaLnBrk="1" fontAlgn="auto" latinLnBrk="0" hangingPunct="1">
-                        <a:lnSpc>
-                          <a:spcPct val="100000"/>
-                        </a:lnSpc>
-                        <a:spcBef>
-                          <a:spcPts val="0"/>
-                        </a:spcBef>
-                        <a:spcAft>
-                          <a:spcPts val="0"/>
-                        </a:spcAft>
-                        <a:buClrTx/>
-                        <a:buSzTx/>
-                        <a:buFontTx/>
-                        <a:buNone/>
-                        <a:tabLst/>
-                        <a:defRPr/>
-                      </a:pPr>
-                      <a:r>
-                        <a:rPr lang="zh-TW" altLang="en-US" dirty="0">
-                          <a:latin typeface="Times New Roman" panose="02020603050405020304" pitchFamily="18" charset="0"/>
-                          <a:ea typeface="標楷體" panose="03000509000000000000" pitchFamily="65" charset="-120"/>
-                          <a:cs typeface="Times New Roman" panose="02020603050405020304" pitchFamily="18" charset="0"/>
-                        </a:rPr>
-                        <a:t>訊號還原影像</a:t>
-                      </a:r>
-                    </a:p>
-                  </a:txBody>
-                  <a:tcPr/>
-                </a:tc>
-                <a:extLst>
-                  <a:ext uri="{0D108BD9-81ED-4DB2-BD59-A6C34878D82A}">
-                    <a16:rowId xmlns:a16="http://schemas.microsoft.com/office/drawing/2014/main" val="1404366953"/>
-                  </a:ext>
-                </a:extLst>
-              </a:tr>
-              <a:tr h="370840">
-                <a:tc>
-                  <a:txBody>
-                    <a:bodyPr/>
-                    <a:lstStyle/>
-                    <a:p>
-                      <a:r>
-                        <a:rPr lang="en-US" altLang="zh-TW" dirty="0">
-                          <a:latin typeface="Times New Roman" panose="02020603050405020304" pitchFamily="18" charset="0"/>
-                          <a:ea typeface="標楷體" panose="03000509000000000000" pitchFamily="65" charset="-120"/>
-                          <a:cs typeface="Times New Roman" panose="02020603050405020304" pitchFamily="18" charset="0"/>
-                        </a:rPr>
-                        <a:t>Input:</a:t>
-                      </a:r>
-                      <a:endParaRPr lang="zh-TW" altLang="en-US" dirty="0">
-                        <a:latin typeface="Times New Roman" panose="02020603050405020304" pitchFamily="18" charset="0"/>
-                        <a:ea typeface="標楷體" panose="03000509000000000000" pitchFamily="65" charset="-120"/>
-                        <a:cs typeface="Times New Roman" panose="02020603050405020304" pitchFamily="18" charset="0"/>
-                      </a:endParaRPr>
-                    </a:p>
-                  </a:txBody>
-                  <a:tcPr/>
-                </a:tc>
-                <a:tc>
-                  <a:txBody>
-                    <a:bodyPr/>
-                    <a:lstStyle/>
-                    <a:p>
-                      <a:r>
-                        <a:rPr lang="en-US" altLang="zh-TW" dirty="0" err="1">
-                          <a:latin typeface="Times New Roman" panose="02020603050405020304" pitchFamily="18" charset="0"/>
-                          <a:ea typeface="標楷體" panose="03000509000000000000" pitchFamily="65" charset="-120"/>
-                          <a:cs typeface="Times New Roman" panose="02020603050405020304" pitchFamily="18" charset="0"/>
-                        </a:rPr>
-                        <a:t>YCrCb</a:t>
-                      </a:r>
-                      <a:r>
-                        <a:rPr lang="zh-TW" altLang="en-US" dirty="0">
-                          <a:latin typeface="Times New Roman" panose="02020603050405020304" pitchFamily="18" charset="0"/>
-                          <a:ea typeface="標楷體" panose="03000509000000000000" pitchFamily="65" charset="-120"/>
-                          <a:cs typeface="Times New Roman" panose="02020603050405020304" pitchFamily="18" charset="0"/>
-                        </a:rPr>
-                        <a:t>訊號</a:t>
-                      </a:r>
-                    </a:p>
-                  </a:txBody>
-                  <a:tcPr/>
-                </a:tc>
-                <a:extLst>
-                  <a:ext uri="{0D108BD9-81ED-4DB2-BD59-A6C34878D82A}">
-                    <a16:rowId xmlns:a16="http://schemas.microsoft.com/office/drawing/2014/main" val="2398650068"/>
-                  </a:ext>
-                </a:extLst>
-              </a:tr>
-              <a:tr h="370840">
-                <a:tc>
-                  <a:txBody>
-                    <a:bodyPr/>
-                    <a:lstStyle/>
-                    <a:p>
-                      <a:r>
-                        <a:rPr lang="en-US" altLang="zh-TW" dirty="0">
-                          <a:latin typeface="Times New Roman" panose="02020603050405020304" pitchFamily="18" charset="0"/>
-                          <a:ea typeface="標楷體" panose="03000509000000000000" pitchFamily="65" charset="-120"/>
-                          <a:cs typeface="Times New Roman" panose="02020603050405020304" pitchFamily="18" charset="0"/>
-                        </a:rPr>
-                        <a:t>Output:</a:t>
-                      </a:r>
-                      <a:endParaRPr lang="zh-TW" altLang="en-US" dirty="0">
-                        <a:latin typeface="Times New Roman" panose="02020603050405020304" pitchFamily="18" charset="0"/>
-                        <a:ea typeface="標楷體" panose="03000509000000000000" pitchFamily="65" charset="-120"/>
-                        <a:cs typeface="Times New Roman" panose="02020603050405020304" pitchFamily="18" charset="0"/>
-                      </a:endParaRPr>
-                    </a:p>
-                  </a:txBody>
-                  <a:tcPr/>
-                </a:tc>
-                <a:tc>
-                  <a:txBody>
-                    <a:bodyPr/>
-                    <a:lstStyle/>
-                    <a:p>
-                      <a:r>
-                        <a:rPr lang="en-US" altLang="zh-TW" dirty="0">
-                          <a:latin typeface="Times New Roman" panose="02020603050405020304" pitchFamily="18" charset="0"/>
-                          <a:ea typeface="標楷體" panose="03000509000000000000" pitchFamily="65" charset="-120"/>
-                          <a:cs typeface="Times New Roman" panose="02020603050405020304" pitchFamily="18" charset="0"/>
-                        </a:rPr>
-                        <a:t>IP CAM</a:t>
-                      </a:r>
-                      <a:r>
-                        <a:rPr lang="zh-TW" altLang="en-US" dirty="0">
-                          <a:latin typeface="Times New Roman" panose="02020603050405020304" pitchFamily="18" charset="0"/>
-                          <a:ea typeface="標楷體" panose="03000509000000000000" pitchFamily="65" charset="-120"/>
-                          <a:cs typeface="Times New Roman" panose="02020603050405020304" pitchFamily="18" charset="0"/>
-                        </a:rPr>
-                        <a:t>之影像</a:t>
-                      </a:r>
-                      <a:r>
-                        <a:rPr lang="en-US" altLang="zh-TW" dirty="0">
-                          <a:latin typeface="Times New Roman" panose="02020603050405020304" pitchFamily="18" charset="0"/>
-                          <a:ea typeface="標楷體" panose="03000509000000000000" pitchFamily="65" charset="-120"/>
-                          <a:cs typeface="Times New Roman" panose="02020603050405020304" pitchFamily="18" charset="0"/>
-                        </a:rPr>
-                        <a:t>(640*480) </a:t>
-                      </a:r>
-                      <a:endParaRPr lang="zh-TW" altLang="en-US" dirty="0">
-                        <a:latin typeface="Times New Roman" panose="02020603050405020304" pitchFamily="18" charset="0"/>
-                        <a:ea typeface="標楷體" panose="03000509000000000000" pitchFamily="65" charset="-120"/>
-                        <a:cs typeface="Times New Roman" panose="02020603050405020304" pitchFamily="18" charset="0"/>
-                      </a:endParaRPr>
-                    </a:p>
-                  </a:txBody>
-                  <a:tcPr/>
-                </a:tc>
-                <a:extLst>
-                  <a:ext uri="{0D108BD9-81ED-4DB2-BD59-A6C34878D82A}">
-                    <a16:rowId xmlns:a16="http://schemas.microsoft.com/office/drawing/2014/main" val="2653937211"/>
-                  </a:ext>
-                </a:extLst>
-              </a:tr>
-              <a:tr h="370840">
-                <a:tc>
-                  <a:txBody>
-                    <a:bodyPr/>
-                    <a:lstStyle/>
-                    <a:p>
-                      <a:r>
-                        <a:rPr lang="en-US" altLang="zh-TW" dirty="0">
-                          <a:latin typeface="Times New Roman" panose="02020603050405020304" pitchFamily="18" charset="0"/>
-                          <a:ea typeface="標楷體" panose="03000509000000000000" pitchFamily="65" charset="-120"/>
-                          <a:cs typeface="Times New Roman" panose="02020603050405020304" pitchFamily="18" charset="0"/>
-                        </a:rPr>
-                        <a:t>Parameters:</a:t>
-                      </a:r>
-                      <a:endParaRPr lang="zh-TW" altLang="en-US" dirty="0">
-                        <a:latin typeface="Times New Roman" panose="02020603050405020304" pitchFamily="18" charset="0"/>
-                        <a:ea typeface="標楷體" panose="03000509000000000000" pitchFamily="65" charset="-120"/>
-                        <a:cs typeface="Times New Roman" panose="02020603050405020304" pitchFamily="18" charset="0"/>
-                      </a:endParaRPr>
-                    </a:p>
-                  </a:txBody>
-                  <a:tcPr/>
-                </a:tc>
-                <a:tc>
-                  <a:txBody>
-                    <a:bodyPr/>
-                    <a:lstStyle/>
-                    <a:p>
-                      <a:endParaRPr lang="zh-TW" altLang="en-US" dirty="0">
-                        <a:latin typeface="Times New Roman" panose="02020603050405020304" pitchFamily="18" charset="0"/>
-                        <a:ea typeface="標楷體" panose="03000509000000000000" pitchFamily="65" charset="-120"/>
-                        <a:cs typeface="Times New Roman" panose="02020603050405020304" pitchFamily="18" charset="0"/>
-                      </a:endParaRPr>
-                    </a:p>
-                  </a:txBody>
-                  <a:tcPr/>
-                </a:tc>
-                <a:extLst>
-                  <a:ext uri="{0D108BD9-81ED-4DB2-BD59-A6C34878D82A}">
-                    <a16:rowId xmlns:a16="http://schemas.microsoft.com/office/drawing/2014/main" val="2758747889"/>
-                  </a:ext>
-                </a:extLst>
-              </a:tr>
-              <a:tr h="370840">
-                <a:tc>
-                  <a:txBody>
-                    <a:bodyPr/>
-                    <a:lstStyle/>
-                    <a:p>
-                      <a:r>
-                        <a:rPr lang="en-US" altLang="zh-TW" dirty="0">
-                          <a:latin typeface="Times New Roman" panose="02020603050405020304" pitchFamily="18" charset="0"/>
-                          <a:ea typeface="標楷體" panose="03000509000000000000" pitchFamily="65" charset="-120"/>
-                          <a:cs typeface="Times New Roman" panose="02020603050405020304" pitchFamily="18" charset="0"/>
-                        </a:rPr>
-                        <a:t>Method:</a:t>
-                      </a:r>
-                      <a:endParaRPr lang="zh-TW" altLang="en-US" dirty="0">
-                        <a:latin typeface="Times New Roman" panose="02020603050405020304" pitchFamily="18" charset="0"/>
-                        <a:ea typeface="標楷體" panose="03000509000000000000" pitchFamily="65" charset="-120"/>
-                        <a:cs typeface="Times New Roman" panose="02020603050405020304" pitchFamily="18" charset="0"/>
-                      </a:endParaRPr>
-                    </a:p>
-                  </a:txBody>
-                  <a:tcPr/>
-                </a:tc>
-                <a:tc>
-                  <a:txBody>
-                    <a:bodyPr/>
-                    <a:lstStyle/>
-                    <a:p>
-                      <a:r>
-                        <a:rPr lang="zh-TW" altLang="en-US" dirty="0">
-                          <a:latin typeface="Times New Roman" panose="02020603050405020304" pitchFamily="18" charset="0"/>
-                          <a:ea typeface="標楷體" panose="03000509000000000000" pitchFamily="65" charset="-120"/>
-                          <a:cs typeface="Times New Roman" panose="02020603050405020304" pitchFamily="18" charset="0"/>
-                        </a:rPr>
-                        <a:t>將</a:t>
-                      </a:r>
-                      <a:r>
-                        <a:rPr lang="en-US" altLang="zh-TW" dirty="0">
-                          <a:latin typeface="Times New Roman" panose="02020603050405020304" pitchFamily="18" charset="0"/>
-                          <a:ea typeface="標楷體" panose="03000509000000000000" pitchFamily="65" charset="-120"/>
-                          <a:cs typeface="Times New Roman" panose="02020603050405020304" pitchFamily="18" charset="0"/>
-                        </a:rPr>
-                        <a:t>5150</a:t>
-                      </a:r>
-                      <a:r>
-                        <a:rPr lang="zh-TW" altLang="en-US" dirty="0">
-                          <a:latin typeface="Times New Roman" panose="02020603050405020304" pitchFamily="18" charset="0"/>
-                          <a:ea typeface="標楷體" panose="03000509000000000000" pitchFamily="65" charset="-120"/>
-                          <a:cs typeface="Times New Roman" panose="02020603050405020304" pitchFamily="18" charset="0"/>
-                        </a:rPr>
-                        <a:t>收進來的訊號，還原回影像，最後再存至</a:t>
-                      </a:r>
-                      <a:r>
-                        <a:rPr lang="en-US" altLang="zh-TW" dirty="0">
-                          <a:latin typeface="Times New Roman" panose="02020603050405020304" pitchFamily="18" charset="0"/>
-                          <a:ea typeface="標楷體" panose="03000509000000000000" pitchFamily="65" charset="-120"/>
-                          <a:cs typeface="Times New Roman" panose="02020603050405020304" pitchFamily="18" charset="0"/>
-                        </a:rPr>
-                        <a:t>DDR</a:t>
-                      </a:r>
-                      <a:endParaRPr lang="zh-TW" altLang="en-US" dirty="0">
-                        <a:latin typeface="Times New Roman" panose="02020603050405020304" pitchFamily="18" charset="0"/>
-                        <a:ea typeface="標楷體" panose="03000509000000000000" pitchFamily="65" charset="-120"/>
-                        <a:cs typeface="Times New Roman" panose="02020603050405020304" pitchFamily="18" charset="0"/>
-                      </a:endParaRPr>
-                    </a:p>
-                  </a:txBody>
-                  <a:tcPr/>
-                </a:tc>
-                <a:extLst>
-                  <a:ext uri="{0D108BD9-81ED-4DB2-BD59-A6C34878D82A}">
-                    <a16:rowId xmlns:a16="http://schemas.microsoft.com/office/drawing/2014/main" val="3474680297"/>
-                  </a:ext>
-                </a:extLst>
-              </a:tr>
-            </a:tbl>
-          </a:graphicData>
-        </a:graphic>
-      </p:graphicFrame>
-      <p:graphicFrame>
-        <p:nvGraphicFramePr>
-          <p:cNvPr id="10" name="表格 9">
-            <a:extLst>
-              <a:ext uri="{FF2B5EF4-FFF2-40B4-BE49-F238E27FC236}">
-                <a16:creationId xmlns:a16="http://schemas.microsoft.com/office/drawing/2014/main" id="{FF927E5F-18D5-473C-AFD8-5966B5843800}"/>
-              </a:ext>
-            </a:extLst>
-          </p:cNvPr>
-          <p:cNvGraphicFramePr>
-            <a:graphicFrameLocks noGrp="1"/>
-          </p:cNvGraphicFramePr>
-          <p:nvPr>
-            <p:extLst>
-              <p:ext uri="{D42A27DB-BD31-4B8C-83A1-F6EECF244321}">
-                <p14:modId xmlns:p14="http://schemas.microsoft.com/office/powerpoint/2010/main" val="207563360"/>
-              </p:ext>
-            </p:extLst>
-          </p:nvPr>
-        </p:nvGraphicFramePr>
-        <p:xfrm>
-          <a:off x="2032000" y="1497501"/>
-          <a:ext cx="8128000" cy="2123440"/>
-        </p:xfrm>
-        <a:graphic>
-          <a:graphicData uri="http://schemas.openxmlformats.org/drawingml/2006/table">
-            <a:tbl>
-              <a:tblPr firstRow="1" bandRow="1">
-                <a:tableStyleId>{5C22544A-7EE6-4342-B048-85BDC9FD1C3A}</a:tableStyleId>
-              </a:tblPr>
-              <a:tblGrid>
-                <a:gridCol w="4064000">
-                  <a:extLst>
-                    <a:ext uri="{9D8B030D-6E8A-4147-A177-3AD203B41FA5}">
-                      <a16:colId xmlns:a16="http://schemas.microsoft.com/office/drawing/2014/main" val="65457947"/>
-                    </a:ext>
-                  </a:extLst>
-                </a:gridCol>
-                <a:gridCol w="4064000">
-                  <a:extLst>
-                    <a:ext uri="{9D8B030D-6E8A-4147-A177-3AD203B41FA5}">
-                      <a16:colId xmlns:a16="http://schemas.microsoft.com/office/drawing/2014/main" val="1560695292"/>
-                    </a:ext>
-                  </a:extLst>
-                </a:gridCol>
-              </a:tblGrid>
-              <a:tr h="370840">
-                <a:tc>
-                  <a:txBody>
-                    <a:bodyPr/>
-                    <a:lstStyle/>
-                    <a:p>
-                      <a:endParaRPr lang="zh-TW" altLang="en-US" dirty="0">
-                        <a:latin typeface="Times New Roman" panose="02020603050405020304" pitchFamily="18" charset="0"/>
-                        <a:ea typeface="標楷體" panose="03000509000000000000" pitchFamily="65" charset="-120"/>
-                        <a:cs typeface="Times New Roman" panose="02020603050405020304" pitchFamily="18" charset="0"/>
-                      </a:endParaRPr>
-                    </a:p>
-                  </a:txBody>
-                  <a:tcPr/>
-                </a:tc>
-                <a:tc>
-                  <a:txBody>
-                    <a:bodyPr/>
-                    <a:lstStyle/>
-                    <a:p>
-                      <a:pPr marL="0" marR="0" lvl="0" indent="0" algn="l" defTabSz="914400" rtl="0" eaLnBrk="1" fontAlgn="auto" latinLnBrk="0" hangingPunct="1">
-                        <a:lnSpc>
-                          <a:spcPct val="100000"/>
-                        </a:lnSpc>
-                        <a:spcBef>
-                          <a:spcPts val="0"/>
-                        </a:spcBef>
-                        <a:spcAft>
-                          <a:spcPts val="0"/>
-                        </a:spcAft>
-                        <a:buClrTx/>
-                        <a:buSzTx/>
-                        <a:buFontTx/>
-                        <a:buNone/>
-                        <a:tabLst/>
-                        <a:defRPr/>
-                      </a:pPr>
-                      <a:r>
-                        <a:rPr lang="en-US" altLang="zh-TW" dirty="0">
-                          <a:latin typeface="Times New Roman" panose="02020603050405020304" pitchFamily="18" charset="0"/>
-                          <a:ea typeface="標楷體" panose="03000509000000000000" pitchFamily="65" charset="-120"/>
-                          <a:cs typeface="Times New Roman" panose="02020603050405020304" pitchFamily="18" charset="0"/>
-                        </a:rPr>
-                        <a:t>Video in (IP CAM – TVP 5150) </a:t>
-                      </a:r>
-                    </a:p>
-                  </a:txBody>
-                  <a:tcPr/>
-                </a:tc>
-                <a:extLst>
-                  <a:ext uri="{0D108BD9-81ED-4DB2-BD59-A6C34878D82A}">
-                    <a16:rowId xmlns:a16="http://schemas.microsoft.com/office/drawing/2014/main" val="1404366953"/>
-                  </a:ext>
-                </a:extLst>
-              </a:tr>
-              <a:tr h="370840">
-                <a:tc>
-                  <a:txBody>
-                    <a:bodyPr/>
-                    <a:lstStyle/>
-                    <a:p>
-                      <a:r>
-                        <a:rPr lang="en-US" altLang="zh-TW" dirty="0">
-                          <a:latin typeface="Times New Roman" panose="02020603050405020304" pitchFamily="18" charset="0"/>
-                          <a:ea typeface="標楷體" panose="03000509000000000000" pitchFamily="65" charset="-120"/>
-                          <a:cs typeface="Times New Roman" panose="02020603050405020304" pitchFamily="18" charset="0"/>
-                        </a:rPr>
-                        <a:t>Input:</a:t>
-                      </a:r>
-                      <a:endParaRPr lang="zh-TW" altLang="en-US" dirty="0">
-                        <a:latin typeface="Times New Roman" panose="02020603050405020304" pitchFamily="18" charset="0"/>
-                        <a:ea typeface="標楷體" panose="03000509000000000000" pitchFamily="65" charset="-120"/>
-                        <a:cs typeface="Times New Roman" panose="02020603050405020304" pitchFamily="18" charset="0"/>
-                      </a:endParaRPr>
-                    </a:p>
-                  </a:txBody>
-                  <a:tcPr/>
-                </a:tc>
-                <a:tc>
-                  <a:txBody>
-                    <a:bodyPr/>
-                    <a:lstStyle/>
-                    <a:p>
-                      <a:r>
-                        <a:rPr lang="en-US" altLang="zh-TW" dirty="0">
-                          <a:latin typeface="Times New Roman" panose="02020603050405020304" pitchFamily="18" charset="0"/>
-                          <a:ea typeface="標楷體" panose="03000509000000000000" pitchFamily="65" charset="-120"/>
-                          <a:cs typeface="Times New Roman" panose="02020603050405020304" pitchFamily="18" charset="0"/>
-                        </a:rPr>
-                        <a:t>BT656</a:t>
-                      </a:r>
-                      <a:r>
-                        <a:rPr lang="zh-TW" altLang="en-US" dirty="0">
-                          <a:latin typeface="Times New Roman" panose="02020603050405020304" pitchFamily="18" charset="0"/>
-                          <a:ea typeface="標楷體" panose="03000509000000000000" pitchFamily="65" charset="-120"/>
-                          <a:cs typeface="Times New Roman" panose="02020603050405020304" pitchFamily="18" charset="0"/>
-                        </a:rPr>
-                        <a:t>訊號</a:t>
-                      </a:r>
-                      <a:r>
-                        <a:rPr lang="en-US" altLang="zh-TW" dirty="0">
-                          <a:latin typeface="Times New Roman" panose="02020603050405020304" pitchFamily="18" charset="0"/>
-                          <a:ea typeface="標楷體" panose="03000509000000000000" pitchFamily="65" charset="-120"/>
-                          <a:cs typeface="Times New Roman" panose="02020603050405020304" pitchFamily="18" charset="0"/>
-                        </a:rPr>
-                        <a:t>(YUV422)</a:t>
-                      </a:r>
-                      <a:endParaRPr lang="zh-TW" altLang="en-US" dirty="0">
-                        <a:latin typeface="Times New Roman" panose="02020603050405020304" pitchFamily="18" charset="0"/>
-                        <a:ea typeface="標楷體" panose="03000509000000000000" pitchFamily="65" charset="-120"/>
-                        <a:cs typeface="Times New Roman" panose="02020603050405020304" pitchFamily="18" charset="0"/>
-                      </a:endParaRPr>
-                    </a:p>
-                  </a:txBody>
-                  <a:tcPr/>
-                </a:tc>
-                <a:extLst>
-                  <a:ext uri="{0D108BD9-81ED-4DB2-BD59-A6C34878D82A}">
-                    <a16:rowId xmlns:a16="http://schemas.microsoft.com/office/drawing/2014/main" val="2398650068"/>
-                  </a:ext>
-                </a:extLst>
-              </a:tr>
-              <a:tr h="370840">
-                <a:tc>
-                  <a:txBody>
-                    <a:bodyPr/>
-                    <a:lstStyle/>
-                    <a:p>
-                      <a:r>
-                        <a:rPr lang="en-US" altLang="zh-TW" dirty="0">
-                          <a:latin typeface="Times New Roman" panose="02020603050405020304" pitchFamily="18" charset="0"/>
-                          <a:ea typeface="標楷體" panose="03000509000000000000" pitchFamily="65" charset="-120"/>
-                          <a:cs typeface="Times New Roman" panose="02020603050405020304" pitchFamily="18" charset="0"/>
-                        </a:rPr>
-                        <a:t>Output:</a:t>
-                      </a:r>
-                      <a:endParaRPr lang="zh-TW" altLang="en-US" dirty="0">
-                        <a:latin typeface="Times New Roman" panose="02020603050405020304" pitchFamily="18" charset="0"/>
-                        <a:ea typeface="標楷體" panose="03000509000000000000" pitchFamily="65" charset="-120"/>
-                        <a:cs typeface="Times New Roman" panose="02020603050405020304" pitchFamily="18" charset="0"/>
-                      </a:endParaRPr>
-                    </a:p>
-                  </a:txBody>
-                  <a:tcPr/>
-                </a:tc>
-                <a:tc>
-                  <a:txBody>
-                    <a:bodyPr/>
-                    <a:lstStyle/>
-                    <a:p>
-                      <a:r>
-                        <a:rPr lang="en-US" altLang="zh-TW" dirty="0" err="1">
-                          <a:latin typeface="Times New Roman" panose="02020603050405020304" pitchFamily="18" charset="0"/>
-                          <a:ea typeface="標楷體" panose="03000509000000000000" pitchFamily="65" charset="-120"/>
-                          <a:cs typeface="Times New Roman" panose="02020603050405020304" pitchFamily="18" charset="0"/>
-                        </a:rPr>
-                        <a:t>YCrCb</a:t>
-                      </a:r>
-                      <a:r>
-                        <a:rPr lang="zh-TW" altLang="en-US" dirty="0">
-                          <a:latin typeface="Times New Roman" panose="02020603050405020304" pitchFamily="18" charset="0"/>
-                          <a:ea typeface="標楷體" panose="03000509000000000000" pitchFamily="65" charset="-120"/>
-                          <a:cs typeface="Times New Roman" panose="02020603050405020304" pitchFamily="18" charset="0"/>
-                        </a:rPr>
-                        <a:t>訊號</a:t>
-                      </a:r>
-                    </a:p>
-                  </a:txBody>
-                  <a:tcPr/>
-                </a:tc>
-                <a:extLst>
-                  <a:ext uri="{0D108BD9-81ED-4DB2-BD59-A6C34878D82A}">
-                    <a16:rowId xmlns:a16="http://schemas.microsoft.com/office/drawing/2014/main" val="2653937211"/>
-                  </a:ext>
-                </a:extLst>
-              </a:tr>
-              <a:tr h="370840">
-                <a:tc>
-                  <a:txBody>
-                    <a:bodyPr/>
-                    <a:lstStyle/>
-                    <a:p>
-                      <a:r>
-                        <a:rPr lang="en-US" altLang="zh-TW" dirty="0">
-                          <a:latin typeface="Times New Roman" panose="02020603050405020304" pitchFamily="18" charset="0"/>
-                          <a:ea typeface="標楷體" panose="03000509000000000000" pitchFamily="65" charset="-120"/>
-                          <a:cs typeface="Times New Roman" panose="02020603050405020304" pitchFamily="18" charset="0"/>
-                        </a:rPr>
-                        <a:t>Parameters:</a:t>
-                      </a:r>
-                      <a:endParaRPr lang="zh-TW" altLang="en-US" dirty="0">
-                        <a:latin typeface="Times New Roman" panose="02020603050405020304" pitchFamily="18" charset="0"/>
-                        <a:ea typeface="標楷體" panose="03000509000000000000" pitchFamily="65" charset="-120"/>
-                        <a:cs typeface="Times New Roman" panose="02020603050405020304" pitchFamily="18" charset="0"/>
-                      </a:endParaRPr>
-                    </a:p>
-                  </a:txBody>
-                  <a:tcPr/>
-                </a:tc>
-                <a:tc>
-                  <a:txBody>
-                    <a:bodyPr/>
-                    <a:lstStyle/>
-                    <a:p>
-                      <a:endParaRPr lang="zh-TW" altLang="en-US" dirty="0">
-                        <a:latin typeface="Times New Roman" panose="02020603050405020304" pitchFamily="18" charset="0"/>
-                        <a:ea typeface="標楷體" panose="03000509000000000000" pitchFamily="65" charset="-120"/>
-                        <a:cs typeface="Times New Roman" panose="02020603050405020304" pitchFamily="18" charset="0"/>
-                      </a:endParaRPr>
-                    </a:p>
-                  </a:txBody>
-                  <a:tcPr/>
-                </a:tc>
-                <a:extLst>
-                  <a:ext uri="{0D108BD9-81ED-4DB2-BD59-A6C34878D82A}">
-                    <a16:rowId xmlns:a16="http://schemas.microsoft.com/office/drawing/2014/main" val="2758747889"/>
-                  </a:ext>
-                </a:extLst>
-              </a:tr>
-              <a:tr h="370840">
-                <a:tc>
-                  <a:txBody>
-                    <a:bodyPr/>
-                    <a:lstStyle/>
-                    <a:p>
-                      <a:r>
-                        <a:rPr lang="en-US" altLang="zh-TW" dirty="0">
-                          <a:latin typeface="Times New Roman" panose="02020603050405020304" pitchFamily="18" charset="0"/>
-                          <a:ea typeface="標楷體" panose="03000509000000000000" pitchFamily="65" charset="-120"/>
-                          <a:cs typeface="Times New Roman" panose="02020603050405020304" pitchFamily="18" charset="0"/>
-                        </a:rPr>
-                        <a:t>Method:</a:t>
-                      </a:r>
-                      <a:endParaRPr lang="zh-TW" altLang="en-US" dirty="0">
-                        <a:latin typeface="Times New Roman" panose="02020603050405020304" pitchFamily="18" charset="0"/>
-                        <a:ea typeface="標楷體" panose="03000509000000000000" pitchFamily="65" charset="-120"/>
-                        <a:cs typeface="Times New Roman" panose="02020603050405020304" pitchFamily="18" charset="0"/>
-                      </a:endParaRPr>
-                    </a:p>
-                  </a:txBody>
-                  <a:tcPr/>
-                </a:tc>
-                <a:tc>
-                  <a:txBody>
-                    <a:bodyPr/>
-                    <a:lstStyle/>
-                    <a:p>
-                      <a:r>
-                        <a:rPr lang="zh-TW" altLang="en-US" dirty="0">
-                          <a:latin typeface="Times New Roman" panose="02020603050405020304" pitchFamily="18" charset="0"/>
-                          <a:ea typeface="標楷體" panose="03000509000000000000" pitchFamily="65" charset="-120"/>
-                          <a:cs typeface="Times New Roman" panose="02020603050405020304" pitchFamily="18" charset="0"/>
-                        </a:rPr>
-                        <a:t>利用外部硬體將</a:t>
-                      </a:r>
-                      <a:r>
-                        <a:rPr lang="en-US" altLang="zh-TW" dirty="0">
-                          <a:latin typeface="Times New Roman" panose="02020603050405020304" pitchFamily="18" charset="0"/>
-                          <a:ea typeface="標楷體" panose="03000509000000000000" pitchFamily="65" charset="-120"/>
-                          <a:cs typeface="Times New Roman" panose="02020603050405020304" pitchFamily="18" charset="0"/>
-                        </a:rPr>
-                        <a:t>IP CAM</a:t>
-                      </a:r>
-                      <a:r>
-                        <a:rPr lang="zh-TW" altLang="en-US" dirty="0">
-                          <a:latin typeface="Times New Roman" panose="02020603050405020304" pitchFamily="18" charset="0"/>
-                          <a:ea typeface="標楷體" panose="03000509000000000000" pitchFamily="65" charset="-120"/>
-                          <a:cs typeface="Times New Roman" panose="02020603050405020304" pitchFamily="18" charset="0"/>
-                        </a:rPr>
-                        <a:t>訊號轉換為 </a:t>
-                      </a:r>
-                      <a:r>
-                        <a:rPr lang="en-US" altLang="zh-TW" dirty="0" err="1">
-                          <a:latin typeface="Times New Roman" panose="02020603050405020304" pitchFamily="18" charset="0"/>
-                          <a:ea typeface="標楷體" panose="03000509000000000000" pitchFamily="65" charset="-120"/>
-                          <a:cs typeface="Times New Roman" panose="02020603050405020304" pitchFamily="18" charset="0"/>
-                        </a:rPr>
-                        <a:t>YCrCb</a:t>
-                      </a:r>
-                      <a:r>
-                        <a:rPr lang="zh-TW" altLang="en-US" dirty="0">
-                          <a:latin typeface="Times New Roman" panose="02020603050405020304" pitchFamily="18" charset="0"/>
-                          <a:ea typeface="標楷體" panose="03000509000000000000" pitchFamily="65" charset="-120"/>
-                          <a:cs typeface="Times New Roman" panose="02020603050405020304" pitchFamily="18" charset="0"/>
-                        </a:rPr>
-                        <a:t>訊號</a:t>
-                      </a:r>
-                    </a:p>
-                  </a:txBody>
-                  <a:tcPr/>
-                </a:tc>
-                <a:extLst>
-                  <a:ext uri="{0D108BD9-81ED-4DB2-BD59-A6C34878D82A}">
-                    <a16:rowId xmlns:a16="http://schemas.microsoft.com/office/drawing/2014/main" val="3474680297"/>
-                  </a:ext>
-                </a:extLst>
-              </a:tr>
-            </a:tbl>
-          </a:graphicData>
-        </a:graphic>
-      </p:graphicFrame>
-    </p:spTree>
-    <p:extLst>
-      <p:ext uri="{BB962C8B-B14F-4D97-AF65-F5344CB8AC3E}">
-        <p14:creationId xmlns:p14="http://schemas.microsoft.com/office/powerpoint/2010/main" val="2039960387"/>
-      </p:ext>
-    </p:extLst>
-  </p:cSld>
-  <p:clrMapOvr>
-    <a:masterClrMapping/>
-  </p:clrMapOvr>
-</p:sld>
-</file>
-
-<file path=ppt/slides/slide11.xml><?xml version="1.0" encoding="utf-8"?>
-<p:sld xmlns:a="http://schemas.openxmlformats.org/drawingml/2006/main" xmlns:r="http://schemas.openxmlformats.org/officeDocument/2006/relationships" xmlns:p="http://schemas.openxmlformats.org/presentationml/2006/main">
-  <p:cSld>
-    <p:spTree>
-      <p:nvGrpSpPr>
-        <p:cNvPr id="1" name=""/>
-        <p:cNvGrpSpPr/>
-        <p:nvPr/>
-      </p:nvGrpSpPr>
-      <p:grpSpPr>
-        <a:xfrm>
-          <a:off x="0" y="0"/>
-          <a:ext cx="0" cy="0"/>
-          <a:chOff x="0" y="0"/>
-          <a:chExt cx="0" cy="0"/>
-        </a:xfrm>
-      </p:grpSpPr>
-      <p:sp>
-        <p:nvSpPr>
-          <p:cNvPr id="4" name="標題 3"/>
-          <p:cNvSpPr>
-            <a:spLocks noGrp="1"/>
-          </p:cNvSpPr>
-          <p:nvPr>
-            <p:ph type="title"/>
-          </p:nvPr>
-        </p:nvSpPr>
-        <p:spPr/>
-        <p:txBody>
-          <a:bodyPr/>
-          <a:lstStyle/>
-          <a:p>
-            <a:r>
-              <a:rPr lang="zh-TW" altLang="en-US" dirty="0"/>
-              <a:t>系統分析 </a:t>
-            </a:r>
-            <a:r>
-              <a:rPr lang="en-US" altLang="zh-TW" dirty="0"/>
-              <a:t>–</a:t>
-            </a:r>
-            <a:r>
-              <a:rPr lang="zh-TW" altLang="en-US" dirty="0"/>
-              <a:t> </a:t>
-            </a:r>
-            <a:r>
-              <a:rPr lang="en-US" altLang="zh-TW" dirty="0"/>
-              <a:t>API</a:t>
-            </a:r>
-            <a:r>
-              <a:rPr lang="en-US" altLang="zh-TW" dirty="0">
-                <a:solidFill>
-                  <a:srgbClr val="FF0000"/>
-                </a:solidFill>
-                <a:highlight>
-                  <a:srgbClr val="FFFF00"/>
-                </a:highlight>
-              </a:rPr>
-              <a:t>(2024/12/19)</a:t>
-            </a:r>
-            <a:endParaRPr lang="zh-TW" altLang="en-US" dirty="0"/>
-          </a:p>
-        </p:txBody>
-      </p:sp>
-      <p:graphicFrame>
-        <p:nvGraphicFramePr>
-          <p:cNvPr id="2" name="表格 1">
-            <a:extLst>
-              <a:ext uri="{FF2B5EF4-FFF2-40B4-BE49-F238E27FC236}">
-                <a16:creationId xmlns:a16="http://schemas.microsoft.com/office/drawing/2014/main" id="{85BA4C2F-261D-453D-A25B-13D39BD3CD42}"/>
-              </a:ext>
-            </a:extLst>
-          </p:cNvPr>
-          <p:cNvGraphicFramePr>
-            <a:graphicFrameLocks noGrp="1"/>
-          </p:cNvGraphicFramePr>
-          <p:nvPr>
-            <p:extLst>
-              <p:ext uri="{D42A27DB-BD31-4B8C-83A1-F6EECF244321}">
                 <p14:modId xmlns:p14="http://schemas.microsoft.com/office/powerpoint/2010/main" val="3802885910"/>
               </p:ext>
             </p:extLst>
@@ -21418,7 +20689,7 @@
 </p:sld>
 </file>
 
-<file path=ppt/slides/slide12.xml><?xml version="1.0" encoding="utf-8"?>
+<file path=ppt/slides/slide11.xml><?xml version="1.0" encoding="utf-8"?>
 <p:sld xmlns:a="http://schemas.openxmlformats.org/drawingml/2006/main" xmlns:r="http://schemas.openxmlformats.org/officeDocument/2006/relationships" xmlns:p="http://schemas.openxmlformats.org/presentationml/2006/main">
   <p:cSld>
     <p:spTree>
@@ -23758,6 +23029,117 @@
             <p:ph type="title"/>
           </p:nvPr>
         </p:nvSpPr>
+        <p:spPr>
+          <a:xfrm>
+            <a:off x="838200" y="365125"/>
+            <a:ext cx="10515600" cy="720000"/>
+          </a:xfrm>
+        </p:spPr>
+        <p:txBody>
+          <a:bodyPr anchor="ctr">
+            <a:normAutofit/>
+          </a:bodyPr>
+          <a:lstStyle/>
+          <a:p>
+            <a:r>
+              <a:rPr lang="zh-TW" altLang="en-US" dirty="0"/>
+              <a:t>系統分析 </a:t>
+            </a:r>
+            <a:r>
+              <a:rPr lang="en-US" altLang="zh-TW" dirty="0"/>
+              <a:t>–</a:t>
+            </a:r>
+            <a:r>
+              <a:rPr lang="zh-TW" altLang="en-US" dirty="0"/>
+              <a:t> </a:t>
+            </a:r>
+            <a:r>
+              <a:rPr lang="en-US" altLang="zh-TW" dirty="0"/>
+              <a:t>breakdown</a:t>
+            </a:r>
+            <a:r>
+              <a:rPr lang="en-US" altLang="zh-TW" dirty="0">
+                <a:solidFill>
+                  <a:srgbClr val="FF0000"/>
+                </a:solidFill>
+                <a:highlight>
+                  <a:srgbClr val="FFFF00"/>
+                </a:highlight>
+              </a:rPr>
+              <a:t> (2024/12/12)</a:t>
+            </a:r>
+            <a:endParaRPr lang="zh-TW" altLang="en-US" dirty="0"/>
+          </a:p>
+        </p:txBody>
+      </p:sp>
+      <p:graphicFrame>
+        <p:nvGraphicFramePr>
+          <p:cNvPr id="2" name="資料庫圖表 1">
+            <a:extLst>
+              <a:ext uri="{FF2B5EF4-FFF2-40B4-BE49-F238E27FC236}">
+                <a16:creationId xmlns:a16="http://schemas.microsoft.com/office/drawing/2014/main" id="{56477D60-BBFA-4287-A435-C9CF56EB549A}"/>
+              </a:ext>
+            </a:extLst>
+          </p:cNvPr>
+          <p:cNvGraphicFramePr/>
+          <p:nvPr>
+            <p:extLst>
+              <p:ext uri="{D42A27DB-BD31-4B8C-83A1-F6EECF244321}">
+                <p14:modId xmlns:p14="http://schemas.microsoft.com/office/powerpoint/2010/main" val="3815456420"/>
+              </p:ext>
+            </p:extLst>
+          </p:nvPr>
+        </p:nvGraphicFramePr>
+        <p:xfrm>
+          <a:off x="941614" y="1154917"/>
+          <a:ext cx="10308771" cy="5023262"/>
+        </p:xfrm>
+        <a:graphic>
+          <a:graphicData uri="http://schemas.openxmlformats.org/drawingml/2006/diagram">
+            <dgm:relIds xmlns:dgm="http://schemas.openxmlformats.org/drawingml/2006/diagram" xmlns:r="http://schemas.openxmlformats.org/officeDocument/2006/relationships" r:dm="rId2" r:lo="rId3" r:qs="rId4" r:cs="rId5"/>
+          </a:graphicData>
+        </a:graphic>
+      </p:graphicFrame>
+    </p:spTree>
+    <p:extLst>
+      <p:ext uri="{BB962C8B-B14F-4D97-AF65-F5344CB8AC3E}">
+        <p14:creationId xmlns:p14="http://schemas.microsoft.com/office/powerpoint/2010/main" val="1133889997"/>
+      </p:ext>
+    </p:extLst>
+  </p:cSld>
+  <p:clrMapOvr>
+    <a:masterClrMapping/>
+  </p:clrMapOvr>
+</p:sld>
+</file>
+
+<file path=ppt/slides/slide6.xml><?xml version="1.0" encoding="utf-8"?>
+<p:sld xmlns:a="http://schemas.openxmlformats.org/drawingml/2006/main" xmlns:r="http://schemas.openxmlformats.org/officeDocument/2006/relationships" xmlns:p="http://schemas.openxmlformats.org/presentationml/2006/main">
+  <p:cSld>
+    <p:spTree>
+      <p:nvGrpSpPr>
+        <p:cNvPr id="1" name=""/>
+        <p:cNvGrpSpPr/>
+        <p:nvPr/>
+      </p:nvGrpSpPr>
+      <p:grpSpPr>
+        <a:xfrm>
+          <a:off x="0" y="0"/>
+          <a:ext cx="0" cy="0"/>
+          <a:chOff x="0" y="0"/>
+          <a:chExt cx="0" cy="0"/>
+        </a:xfrm>
+      </p:grpSpPr>
+      <p:sp>
+        <p:nvSpPr>
+          <p:cNvPr id="4" name="標題 3"/>
+          <p:cNvSpPr>
+            <a:spLocks noGrp="1"/>
+          </p:cNvSpPr>
+          <p:nvPr>
+            <p:ph type="title"/>
+          </p:nvPr>
+        </p:nvSpPr>
         <p:spPr/>
         <p:txBody>
           <a:bodyPr/>
@@ -24069,117 +23451,6 @@
     <p:extLst>
       <p:ext uri="{BB962C8B-B14F-4D97-AF65-F5344CB8AC3E}">
         <p14:creationId xmlns:p14="http://schemas.microsoft.com/office/powerpoint/2010/main" val="2426999536"/>
-      </p:ext>
-    </p:extLst>
-  </p:cSld>
-  <p:clrMapOvr>
-    <a:masterClrMapping/>
-  </p:clrMapOvr>
-</p:sld>
-</file>
-
-<file path=ppt/slides/slide6.xml><?xml version="1.0" encoding="utf-8"?>
-<p:sld xmlns:a="http://schemas.openxmlformats.org/drawingml/2006/main" xmlns:r="http://schemas.openxmlformats.org/officeDocument/2006/relationships" xmlns:p="http://schemas.openxmlformats.org/presentationml/2006/main">
-  <p:cSld>
-    <p:spTree>
-      <p:nvGrpSpPr>
-        <p:cNvPr id="1" name=""/>
-        <p:cNvGrpSpPr/>
-        <p:nvPr/>
-      </p:nvGrpSpPr>
-      <p:grpSpPr>
-        <a:xfrm>
-          <a:off x="0" y="0"/>
-          <a:ext cx="0" cy="0"/>
-          <a:chOff x="0" y="0"/>
-          <a:chExt cx="0" cy="0"/>
-        </a:xfrm>
-      </p:grpSpPr>
-      <p:sp>
-        <p:nvSpPr>
-          <p:cNvPr id="4" name="標題 3"/>
-          <p:cNvSpPr>
-            <a:spLocks noGrp="1"/>
-          </p:cNvSpPr>
-          <p:nvPr>
-            <p:ph type="title"/>
-          </p:nvPr>
-        </p:nvSpPr>
-        <p:spPr>
-          <a:xfrm>
-            <a:off x="838200" y="365125"/>
-            <a:ext cx="10515600" cy="720000"/>
-          </a:xfrm>
-        </p:spPr>
-        <p:txBody>
-          <a:bodyPr anchor="ctr">
-            <a:normAutofit/>
-          </a:bodyPr>
-          <a:lstStyle/>
-          <a:p>
-            <a:r>
-              <a:rPr lang="zh-TW" altLang="en-US" dirty="0"/>
-              <a:t>系統分析 </a:t>
-            </a:r>
-            <a:r>
-              <a:rPr lang="en-US" altLang="zh-TW" dirty="0"/>
-              <a:t>–</a:t>
-            </a:r>
-            <a:r>
-              <a:rPr lang="zh-TW" altLang="en-US" dirty="0"/>
-              <a:t> </a:t>
-            </a:r>
-            <a:r>
-              <a:rPr lang="en-US" altLang="zh-TW" dirty="0"/>
-              <a:t>breakdown</a:t>
-            </a:r>
-            <a:r>
-              <a:rPr lang="en-US" altLang="zh-TW" dirty="0">
-                <a:solidFill>
-                  <a:srgbClr val="FF0000"/>
-                </a:solidFill>
-                <a:highlight>
-                  <a:srgbClr val="FFFF00"/>
-                </a:highlight>
-              </a:rPr>
-              <a:t> (2024/12/12)</a:t>
-            </a:r>
-            <a:endParaRPr lang="zh-TW" altLang="en-US" dirty="0"/>
-          </a:p>
-        </p:txBody>
-      </p:sp>
-      <p:graphicFrame>
-        <p:nvGraphicFramePr>
-          <p:cNvPr id="2" name="資料庫圖表 1">
-            <a:extLst>
-              <a:ext uri="{FF2B5EF4-FFF2-40B4-BE49-F238E27FC236}">
-                <a16:creationId xmlns:a16="http://schemas.microsoft.com/office/drawing/2014/main" id="{56477D60-BBFA-4287-A435-C9CF56EB549A}"/>
-              </a:ext>
-            </a:extLst>
-          </p:cNvPr>
-          <p:cNvGraphicFramePr/>
-          <p:nvPr>
-            <p:extLst>
-              <p:ext uri="{D42A27DB-BD31-4B8C-83A1-F6EECF244321}">
-                <p14:modId xmlns:p14="http://schemas.microsoft.com/office/powerpoint/2010/main" val="3815456420"/>
-              </p:ext>
-            </p:extLst>
-          </p:nvPr>
-        </p:nvGraphicFramePr>
-        <p:xfrm>
-          <a:off x="941614" y="1154917"/>
-          <a:ext cx="10308771" cy="5023262"/>
-        </p:xfrm>
-        <a:graphic>
-          <a:graphicData uri="http://schemas.openxmlformats.org/drawingml/2006/diagram">
-            <dgm:relIds xmlns:dgm="http://schemas.openxmlformats.org/drawingml/2006/diagram" xmlns:r="http://schemas.openxmlformats.org/officeDocument/2006/relationships" r:dm="rId2" r:lo="rId3" r:qs="rId4" r:cs="rId5"/>
-          </a:graphicData>
-        </a:graphic>
-      </p:graphicFrame>
-    </p:spTree>
-    <p:extLst>
-      <p:ext uri="{BB962C8B-B14F-4D97-AF65-F5344CB8AC3E}">
-        <p14:creationId xmlns:p14="http://schemas.microsoft.com/office/powerpoint/2010/main" val="1133889997"/>
       </p:ext>
     </p:extLst>
   </p:cSld>
@@ -24692,7 +23963,7 @@
           <p:cNvPr id="5" name="圖片 4">
             <a:extLst>
               <a:ext uri="{FF2B5EF4-FFF2-40B4-BE49-F238E27FC236}">
-                <a16:creationId xmlns:a16="http://schemas.microsoft.com/office/drawing/2014/main" id="{0B0DC882-C9E1-4916-9082-D6888B359924}"/>
+                <a16:creationId xmlns:a16="http://schemas.microsoft.com/office/drawing/2014/main" id="{80CC930F-AF63-47F4-9A36-A9D3D11AE222}"/>
               </a:ext>
             </a:extLst>
           </p:cNvPr>
@@ -24701,16 +23972,21 @@
           </p:cNvPicPr>
           <p:nvPr/>
         </p:nvPicPr>
-        <p:blipFill>
-          <a:blip r:embed="rId2"/>
-          <a:stretch>
-            <a:fillRect/>
-          </a:stretch>
+        <p:blipFill rotWithShape="1">
+          <a:blip r:embed="rId2">
+            <a:extLst>
+              <a:ext uri="{28A0092B-C50C-407E-A947-70E740481C1C}">
+                <a14:useLocalDpi xmlns:a14="http://schemas.microsoft.com/office/drawing/2010/main" val="0"/>
+              </a:ext>
+            </a:extLst>
+          </a:blip>
+          <a:srcRect t="6232"/>
+          <a:stretch/>
         </p:blipFill>
         <p:spPr>
           <a:xfrm>
-            <a:off x="838200" y="1200770"/>
-            <a:ext cx="10666002" cy="5657230"/>
+            <a:off x="685091" y="1035837"/>
+            <a:ext cx="10668709" cy="5822163"/>
           </a:xfrm>
           <a:prstGeom prst="rect">
             <a:avLst/>
@@ -24720,7 +23996,7 @@
     </p:spTree>
     <p:extLst>
       <p:ext uri="{BB962C8B-B14F-4D97-AF65-F5344CB8AC3E}">
-        <p14:creationId xmlns:p14="http://schemas.microsoft.com/office/powerpoint/2010/main" val="592142487"/>
+        <p14:creationId xmlns:p14="http://schemas.microsoft.com/office/powerpoint/2010/main" val="3758964344"/>
       </p:ext>
     </p:extLst>
   </p:cSld>
@@ -24772,7 +24048,11 @@
             </a:r>
             <a:r>
               <a:rPr lang="zh-TW" altLang="en-US" dirty="0"/>
-              <a:t> 架構圖</a:t>
+              <a:t> </a:t>
+            </a:r>
+            <a:r>
+              <a:rPr lang="en-US" altLang="zh-TW" dirty="0"/>
+              <a:t>API</a:t>
             </a:r>
             <a:r>
               <a:rPr lang="en-US" altLang="zh-TW" dirty="0">
@@ -24789,46 +24069,701 @@
           </a:p>
         </p:txBody>
       </p:sp>
-      <p:pic>
-        <p:nvPicPr>
-          <p:cNvPr id="3" name="圖片 2">
+      <p:graphicFrame>
+        <p:nvGraphicFramePr>
+          <p:cNvPr id="2" name="表格 1">
             <a:extLst>
               <a:ext uri="{FF2B5EF4-FFF2-40B4-BE49-F238E27FC236}">
-                <a16:creationId xmlns:a16="http://schemas.microsoft.com/office/drawing/2014/main" id="{F4BAC17C-2F24-4550-88BB-DEE6C7689B61}"/>
+                <a16:creationId xmlns:a16="http://schemas.microsoft.com/office/drawing/2014/main" id="{85BA4C2F-261D-453D-A25B-13D39BD3CD42}"/>
               </a:ext>
             </a:extLst>
           </p:cNvPr>
-          <p:cNvPicPr>
-            <a:picLocks noChangeAspect="1"/>
-          </p:cNvPicPr>
-          <p:nvPr/>
-        </p:nvPicPr>
-        <p:blipFill>
-          <a:blip r:embed="rId2">
+          <p:cNvGraphicFramePr>
+            <a:graphicFrameLocks noGrp="1"/>
+          </p:cNvGraphicFramePr>
+          <p:nvPr>
+            <p:extLst>
+              <p:ext uri="{D42A27DB-BD31-4B8C-83A1-F6EECF244321}">
+                <p14:modId xmlns:p14="http://schemas.microsoft.com/office/powerpoint/2010/main" val="1555762674"/>
+              </p:ext>
+            </p:extLst>
+          </p:nvPr>
+        </p:nvGraphicFramePr>
+        <p:xfrm>
+          <a:off x="2032000" y="4033318"/>
+          <a:ext cx="8128000" cy="2123440"/>
+        </p:xfrm>
+        <a:graphic>
+          <a:graphicData uri="http://schemas.openxmlformats.org/drawingml/2006/table">
+            <a:tbl>
+              <a:tblPr firstRow="1" bandRow="1">
+                <a:tableStyleId>{5C22544A-7EE6-4342-B048-85BDC9FD1C3A}</a:tableStyleId>
+              </a:tblPr>
+              <a:tblGrid>
+                <a:gridCol w="4064000">
+                  <a:extLst>
+                    <a:ext uri="{9D8B030D-6E8A-4147-A177-3AD203B41FA5}">
+                      <a16:colId xmlns:a16="http://schemas.microsoft.com/office/drawing/2014/main" val="65457947"/>
+                    </a:ext>
+                  </a:extLst>
+                </a:gridCol>
+                <a:gridCol w="4064000">
+                  <a:extLst>
+                    <a:ext uri="{9D8B030D-6E8A-4147-A177-3AD203B41FA5}">
+                      <a16:colId xmlns:a16="http://schemas.microsoft.com/office/drawing/2014/main" val="1560695292"/>
+                    </a:ext>
+                  </a:extLst>
+                </a:gridCol>
+              </a:tblGrid>
+              <a:tr h="370840">
+                <a:tc>
+                  <a:txBody>
+                    <a:bodyPr/>
+                    <a:lstStyle/>
+                    <a:p>
+                      <a:endParaRPr lang="zh-TW" altLang="en-US" dirty="0">
+                        <a:latin typeface="Times New Roman" panose="02020603050405020304" pitchFamily="18" charset="0"/>
+                        <a:ea typeface="標楷體" panose="03000509000000000000" pitchFamily="65" charset="-120"/>
+                        <a:cs typeface="Times New Roman" panose="02020603050405020304" pitchFamily="18" charset="0"/>
+                      </a:endParaRPr>
+                    </a:p>
+                  </a:txBody>
+                  <a:tcPr/>
+                </a:tc>
+                <a:tc>
+                  <a:txBody>
+                    <a:bodyPr/>
+                    <a:lstStyle/>
+                    <a:p>
+                      <a:pPr marL="0" marR="0" lvl="0" indent="0" algn="l" defTabSz="914400" rtl="0" eaLnBrk="1" fontAlgn="auto" latinLnBrk="0" hangingPunct="1">
+                        <a:lnSpc>
+                          <a:spcPct val="100000"/>
+                        </a:lnSpc>
+                        <a:spcBef>
+                          <a:spcPts val="0"/>
+                        </a:spcBef>
+                        <a:spcAft>
+                          <a:spcPts val="0"/>
+                        </a:spcAft>
+                        <a:buClrTx/>
+                        <a:buSzTx/>
+                        <a:buFontTx/>
+                        <a:buNone/>
+                        <a:tabLst/>
+                        <a:defRPr/>
+                      </a:pPr>
+                      <a:r>
+                        <a:rPr lang="zh-TW" altLang="en-US" dirty="0">
+                          <a:latin typeface="Times New Roman" panose="02020603050405020304" pitchFamily="18" charset="0"/>
+                          <a:ea typeface="標楷體" panose="03000509000000000000" pitchFamily="65" charset="-120"/>
+                          <a:cs typeface="Times New Roman" panose="02020603050405020304" pitchFamily="18" charset="0"/>
+                        </a:rPr>
+                        <a:t>訊號還原影像</a:t>
+                      </a:r>
+                    </a:p>
+                  </a:txBody>
+                  <a:tcPr/>
+                </a:tc>
+                <a:extLst>
+                  <a:ext uri="{0D108BD9-81ED-4DB2-BD59-A6C34878D82A}">
+                    <a16:rowId xmlns:a16="http://schemas.microsoft.com/office/drawing/2014/main" val="1404366953"/>
+                  </a:ext>
+                </a:extLst>
+              </a:tr>
+              <a:tr h="370840">
+                <a:tc>
+                  <a:txBody>
+                    <a:bodyPr/>
+                    <a:lstStyle/>
+                    <a:p>
+                      <a:r>
+                        <a:rPr lang="en-US" altLang="zh-TW" dirty="0">
+                          <a:latin typeface="Times New Roman" panose="02020603050405020304" pitchFamily="18" charset="0"/>
+                          <a:ea typeface="標楷體" panose="03000509000000000000" pitchFamily="65" charset="-120"/>
+                          <a:cs typeface="Times New Roman" panose="02020603050405020304" pitchFamily="18" charset="0"/>
+                        </a:rPr>
+                        <a:t>Input:</a:t>
+                      </a:r>
+                      <a:endParaRPr lang="zh-TW" altLang="en-US" dirty="0">
+                        <a:latin typeface="Times New Roman" panose="02020603050405020304" pitchFamily="18" charset="0"/>
+                        <a:ea typeface="標楷體" panose="03000509000000000000" pitchFamily="65" charset="-120"/>
+                        <a:cs typeface="Times New Roman" panose="02020603050405020304" pitchFamily="18" charset="0"/>
+                      </a:endParaRPr>
+                    </a:p>
+                  </a:txBody>
+                  <a:tcPr/>
+                </a:tc>
+                <a:tc>
+                  <a:txBody>
+                    <a:bodyPr/>
+                    <a:lstStyle/>
+                    <a:p>
+                      <a:r>
+                        <a:rPr lang="en-US" altLang="zh-TW" dirty="0" err="1">
+                          <a:latin typeface="Times New Roman" panose="02020603050405020304" pitchFamily="18" charset="0"/>
+                          <a:ea typeface="標楷體" panose="03000509000000000000" pitchFamily="65" charset="-120"/>
+                          <a:cs typeface="Times New Roman" panose="02020603050405020304" pitchFamily="18" charset="0"/>
+                        </a:rPr>
+                        <a:t>YCrCb</a:t>
+                      </a:r>
+                      <a:r>
+                        <a:rPr lang="zh-TW" altLang="en-US" dirty="0">
+                          <a:latin typeface="Times New Roman" panose="02020603050405020304" pitchFamily="18" charset="0"/>
+                          <a:ea typeface="標楷體" panose="03000509000000000000" pitchFamily="65" charset="-120"/>
+                          <a:cs typeface="Times New Roman" panose="02020603050405020304" pitchFamily="18" charset="0"/>
+                        </a:rPr>
+                        <a:t>訊號</a:t>
+                      </a:r>
+                    </a:p>
+                  </a:txBody>
+                  <a:tcPr/>
+                </a:tc>
+                <a:extLst>
+                  <a:ext uri="{0D108BD9-81ED-4DB2-BD59-A6C34878D82A}">
+                    <a16:rowId xmlns:a16="http://schemas.microsoft.com/office/drawing/2014/main" val="2398650068"/>
+                  </a:ext>
+                </a:extLst>
+              </a:tr>
+              <a:tr h="370840">
+                <a:tc>
+                  <a:txBody>
+                    <a:bodyPr/>
+                    <a:lstStyle/>
+                    <a:p>
+                      <a:r>
+                        <a:rPr lang="en-US" altLang="zh-TW" dirty="0">
+                          <a:latin typeface="Times New Roman" panose="02020603050405020304" pitchFamily="18" charset="0"/>
+                          <a:ea typeface="標楷體" panose="03000509000000000000" pitchFamily="65" charset="-120"/>
+                          <a:cs typeface="Times New Roman" panose="02020603050405020304" pitchFamily="18" charset="0"/>
+                        </a:rPr>
+                        <a:t>Output:</a:t>
+                      </a:r>
+                      <a:endParaRPr lang="zh-TW" altLang="en-US" dirty="0">
+                        <a:latin typeface="Times New Roman" panose="02020603050405020304" pitchFamily="18" charset="0"/>
+                        <a:ea typeface="標楷體" panose="03000509000000000000" pitchFamily="65" charset="-120"/>
+                        <a:cs typeface="Times New Roman" panose="02020603050405020304" pitchFamily="18" charset="0"/>
+                      </a:endParaRPr>
+                    </a:p>
+                  </a:txBody>
+                  <a:tcPr/>
+                </a:tc>
+                <a:tc>
+                  <a:txBody>
+                    <a:bodyPr/>
+                    <a:lstStyle/>
+                    <a:p>
+                      <a:r>
+                        <a:rPr lang="en-US" altLang="zh-TW" dirty="0">
+                          <a:latin typeface="Times New Roman" panose="02020603050405020304" pitchFamily="18" charset="0"/>
+                          <a:ea typeface="標楷體" panose="03000509000000000000" pitchFamily="65" charset="-120"/>
+                          <a:cs typeface="Times New Roman" panose="02020603050405020304" pitchFamily="18" charset="0"/>
+                        </a:rPr>
+                        <a:t>IP CAM</a:t>
+                      </a:r>
+                      <a:r>
+                        <a:rPr lang="zh-TW" altLang="en-US" dirty="0">
+                          <a:latin typeface="Times New Roman" panose="02020603050405020304" pitchFamily="18" charset="0"/>
+                          <a:ea typeface="標楷體" panose="03000509000000000000" pitchFamily="65" charset="-120"/>
+                          <a:cs typeface="Times New Roman" panose="02020603050405020304" pitchFamily="18" charset="0"/>
+                        </a:rPr>
+                        <a:t>之影像</a:t>
+                      </a:r>
+                      <a:r>
+                        <a:rPr lang="en-US" altLang="zh-TW" dirty="0">
+                          <a:latin typeface="Times New Roman" panose="02020603050405020304" pitchFamily="18" charset="0"/>
+                          <a:ea typeface="標楷體" panose="03000509000000000000" pitchFamily="65" charset="-120"/>
+                          <a:cs typeface="Times New Roman" panose="02020603050405020304" pitchFamily="18" charset="0"/>
+                        </a:rPr>
+                        <a:t>(640*480) </a:t>
+                      </a:r>
+                      <a:endParaRPr lang="zh-TW" altLang="en-US" dirty="0">
+                        <a:latin typeface="Times New Roman" panose="02020603050405020304" pitchFamily="18" charset="0"/>
+                        <a:ea typeface="標楷體" panose="03000509000000000000" pitchFamily="65" charset="-120"/>
+                        <a:cs typeface="Times New Roman" panose="02020603050405020304" pitchFamily="18" charset="0"/>
+                      </a:endParaRPr>
+                    </a:p>
+                  </a:txBody>
+                  <a:tcPr/>
+                </a:tc>
+                <a:extLst>
+                  <a:ext uri="{0D108BD9-81ED-4DB2-BD59-A6C34878D82A}">
+                    <a16:rowId xmlns:a16="http://schemas.microsoft.com/office/drawing/2014/main" val="2653937211"/>
+                  </a:ext>
+                </a:extLst>
+              </a:tr>
+              <a:tr h="370840">
+                <a:tc>
+                  <a:txBody>
+                    <a:bodyPr/>
+                    <a:lstStyle/>
+                    <a:p>
+                      <a:r>
+                        <a:rPr lang="en-US" altLang="zh-TW" dirty="0">
+                          <a:latin typeface="Times New Roman" panose="02020603050405020304" pitchFamily="18" charset="0"/>
+                          <a:ea typeface="標楷體" panose="03000509000000000000" pitchFamily="65" charset="-120"/>
+                          <a:cs typeface="Times New Roman" panose="02020603050405020304" pitchFamily="18" charset="0"/>
+                        </a:rPr>
+                        <a:t>Parameters:</a:t>
+                      </a:r>
+                      <a:endParaRPr lang="zh-TW" altLang="en-US" dirty="0">
+                        <a:latin typeface="Times New Roman" panose="02020603050405020304" pitchFamily="18" charset="0"/>
+                        <a:ea typeface="標楷體" panose="03000509000000000000" pitchFamily="65" charset="-120"/>
+                        <a:cs typeface="Times New Roman" panose="02020603050405020304" pitchFamily="18" charset="0"/>
+                      </a:endParaRPr>
+                    </a:p>
+                  </a:txBody>
+                  <a:tcPr/>
+                </a:tc>
+                <a:tc>
+                  <a:txBody>
+                    <a:bodyPr/>
+                    <a:lstStyle/>
+                    <a:p>
+                      <a:endParaRPr lang="zh-TW" altLang="en-US" dirty="0">
+                        <a:latin typeface="Times New Roman" panose="02020603050405020304" pitchFamily="18" charset="0"/>
+                        <a:ea typeface="標楷體" panose="03000509000000000000" pitchFamily="65" charset="-120"/>
+                        <a:cs typeface="Times New Roman" panose="02020603050405020304" pitchFamily="18" charset="0"/>
+                      </a:endParaRPr>
+                    </a:p>
+                  </a:txBody>
+                  <a:tcPr/>
+                </a:tc>
+                <a:extLst>
+                  <a:ext uri="{0D108BD9-81ED-4DB2-BD59-A6C34878D82A}">
+                    <a16:rowId xmlns:a16="http://schemas.microsoft.com/office/drawing/2014/main" val="2758747889"/>
+                  </a:ext>
+                </a:extLst>
+              </a:tr>
+              <a:tr h="370840">
+                <a:tc>
+                  <a:txBody>
+                    <a:bodyPr/>
+                    <a:lstStyle/>
+                    <a:p>
+                      <a:r>
+                        <a:rPr lang="en-US" altLang="zh-TW" dirty="0">
+                          <a:latin typeface="Times New Roman" panose="02020603050405020304" pitchFamily="18" charset="0"/>
+                          <a:ea typeface="標楷體" panose="03000509000000000000" pitchFamily="65" charset="-120"/>
+                          <a:cs typeface="Times New Roman" panose="02020603050405020304" pitchFamily="18" charset="0"/>
+                        </a:rPr>
+                        <a:t>Method:</a:t>
+                      </a:r>
+                      <a:endParaRPr lang="zh-TW" altLang="en-US" dirty="0">
+                        <a:latin typeface="Times New Roman" panose="02020603050405020304" pitchFamily="18" charset="0"/>
+                        <a:ea typeface="標楷體" panose="03000509000000000000" pitchFamily="65" charset="-120"/>
+                        <a:cs typeface="Times New Roman" panose="02020603050405020304" pitchFamily="18" charset="0"/>
+                      </a:endParaRPr>
+                    </a:p>
+                  </a:txBody>
+                  <a:tcPr/>
+                </a:tc>
+                <a:tc>
+                  <a:txBody>
+                    <a:bodyPr/>
+                    <a:lstStyle/>
+                    <a:p>
+                      <a:r>
+                        <a:rPr lang="zh-TW" altLang="en-US" dirty="0">
+                          <a:latin typeface="Times New Roman" panose="02020603050405020304" pitchFamily="18" charset="0"/>
+                          <a:ea typeface="標楷體" panose="03000509000000000000" pitchFamily="65" charset="-120"/>
+                          <a:cs typeface="Times New Roman" panose="02020603050405020304" pitchFamily="18" charset="0"/>
+                        </a:rPr>
+                        <a:t>將</a:t>
+                      </a:r>
+                      <a:r>
+                        <a:rPr lang="en-US" altLang="zh-TW" dirty="0">
+                          <a:latin typeface="Times New Roman" panose="02020603050405020304" pitchFamily="18" charset="0"/>
+                          <a:ea typeface="標楷體" panose="03000509000000000000" pitchFamily="65" charset="-120"/>
+                          <a:cs typeface="Times New Roman" panose="02020603050405020304" pitchFamily="18" charset="0"/>
+                        </a:rPr>
+                        <a:t>5150</a:t>
+                      </a:r>
+                      <a:r>
+                        <a:rPr lang="zh-TW" altLang="en-US" dirty="0">
+                          <a:latin typeface="Times New Roman" panose="02020603050405020304" pitchFamily="18" charset="0"/>
+                          <a:ea typeface="標楷體" panose="03000509000000000000" pitchFamily="65" charset="-120"/>
+                          <a:cs typeface="Times New Roman" panose="02020603050405020304" pitchFamily="18" charset="0"/>
+                        </a:rPr>
+                        <a:t>收進來的訊號，還原回影像，最後再存至</a:t>
+                      </a:r>
+                      <a:r>
+                        <a:rPr lang="en-US" altLang="zh-TW" dirty="0">
+                          <a:latin typeface="Times New Roman" panose="02020603050405020304" pitchFamily="18" charset="0"/>
+                          <a:ea typeface="標楷體" panose="03000509000000000000" pitchFamily="65" charset="-120"/>
+                          <a:cs typeface="Times New Roman" panose="02020603050405020304" pitchFamily="18" charset="0"/>
+                        </a:rPr>
+                        <a:t>DDR</a:t>
+                      </a:r>
+                      <a:endParaRPr lang="zh-TW" altLang="en-US" dirty="0">
+                        <a:latin typeface="Times New Roman" panose="02020603050405020304" pitchFamily="18" charset="0"/>
+                        <a:ea typeface="標楷體" panose="03000509000000000000" pitchFamily="65" charset="-120"/>
+                        <a:cs typeface="Times New Roman" panose="02020603050405020304" pitchFamily="18" charset="0"/>
+                      </a:endParaRPr>
+                    </a:p>
+                  </a:txBody>
+                  <a:tcPr/>
+                </a:tc>
+                <a:extLst>
+                  <a:ext uri="{0D108BD9-81ED-4DB2-BD59-A6C34878D82A}">
+                    <a16:rowId xmlns:a16="http://schemas.microsoft.com/office/drawing/2014/main" val="3474680297"/>
+                  </a:ext>
+                </a:extLst>
+              </a:tr>
+            </a:tbl>
+          </a:graphicData>
+        </a:graphic>
+      </p:graphicFrame>
+      <p:graphicFrame>
+        <p:nvGraphicFramePr>
+          <p:cNvPr id="10" name="表格 9">
             <a:extLst>
-              <a:ext uri="{28A0092B-C50C-407E-A947-70E740481C1C}">
-                <a14:useLocalDpi xmlns:a14="http://schemas.microsoft.com/office/drawing/2010/main" val="0"/>
+              <a:ext uri="{FF2B5EF4-FFF2-40B4-BE49-F238E27FC236}">
+                <a16:creationId xmlns:a16="http://schemas.microsoft.com/office/drawing/2014/main" id="{FF927E5F-18D5-473C-AFD8-5966B5843800}"/>
               </a:ext>
             </a:extLst>
-          </a:blip>
-          <a:stretch>
-            <a:fillRect/>
-          </a:stretch>
-        </p:blipFill>
-        <p:spPr>
-          <a:xfrm>
-            <a:off x="0" y="1085125"/>
-            <a:ext cx="12192000" cy="5292328"/>
-          </a:xfrm>
-          <a:prstGeom prst="rect">
-            <a:avLst/>
-          </a:prstGeom>
-        </p:spPr>
-      </p:pic>
+          </p:cNvPr>
+          <p:cNvGraphicFramePr>
+            <a:graphicFrameLocks noGrp="1"/>
+          </p:cNvGraphicFramePr>
+          <p:nvPr>
+            <p:extLst>
+              <p:ext uri="{D42A27DB-BD31-4B8C-83A1-F6EECF244321}">
+                <p14:modId xmlns:p14="http://schemas.microsoft.com/office/powerpoint/2010/main" val="207563360"/>
+              </p:ext>
+            </p:extLst>
+          </p:nvPr>
+        </p:nvGraphicFramePr>
+        <p:xfrm>
+          <a:off x="2032000" y="1497501"/>
+          <a:ext cx="8128000" cy="2123440"/>
+        </p:xfrm>
+        <a:graphic>
+          <a:graphicData uri="http://schemas.openxmlformats.org/drawingml/2006/table">
+            <a:tbl>
+              <a:tblPr firstRow="1" bandRow="1">
+                <a:tableStyleId>{5C22544A-7EE6-4342-B048-85BDC9FD1C3A}</a:tableStyleId>
+              </a:tblPr>
+              <a:tblGrid>
+                <a:gridCol w="4064000">
+                  <a:extLst>
+                    <a:ext uri="{9D8B030D-6E8A-4147-A177-3AD203B41FA5}">
+                      <a16:colId xmlns:a16="http://schemas.microsoft.com/office/drawing/2014/main" val="65457947"/>
+                    </a:ext>
+                  </a:extLst>
+                </a:gridCol>
+                <a:gridCol w="4064000">
+                  <a:extLst>
+                    <a:ext uri="{9D8B030D-6E8A-4147-A177-3AD203B41FA5}">
+                      <a16:colId xmlns:a16="http://schemas.microsoft.com/office/drawing/2014/main" val="1560695292"/>
+                    </a:ext>
+                  </a:extLst>
+                </a:gridCol>
+              </a:tblGrid>
+              <a:tr h="370840">
+                <a:tc>
+                  <a:txBody>
+                    <a:bodyPr/>
+                    <a:lstStyle/>
+                    <a:p>
+                      <a:endParaRPr lang="zh-TW" altLang="en-US" dirty="0">
+                        <a:latin typeface="Times New Roman" panose="02020603050405020304" pitchFamily="18" charset="0"/>
+                        <a:ea typeface="標楷體" panose="03000509000000000000" pitchFamily="65" charset="-120"/>
+                        <a:cs typeface="Times New Roman" panose="02020603050405020304" pitchFamily="18" charset="0"/>
+                      </a:endParaRPr>
+                    </a:p>
+                  </a:txBody>
+                  <a:tcPr/>
+                </a:tc>
+                <a:tc>
+                  <a:txBody>
+                    <a:bodyPr/>
+                    <a:lstStyle/>
+                    <a:p>
+                      <a:pPr marL="0" marR="0" lvl="0" indent="0" algn="l" defTabSz="914400" rtl="0" eaLnBrk="1" fontAlgn="auto" latinLnBrk="0" hangingPunct="1">
+                        <a:lnSpc>
+                          <a:spcPct val="100000"/>
+                        </a:lnSpc>
+                        <a:spcBef>
+                          <a:spcPts val="0"/>
+                        </a:spcBef>
+                        <a:spcAft>
+                          <a:spcPts val="0"/>
+                        </a:spcAft>
+                        <a:buClrTx/>
+                        <a:buSzTx/>
+                        <a:buFontTx/>
+                        <a:buNone/>
+                        <a:tabLst/>
+                        <a:defRPr/>
+                      </a:pPr>
+                      <a:r>
+                        <a:rPr lang="en-US" altLang="zh-TW" dirty="0">
+                          <a:latin typeface="Times New Roman" panose="02020603050405020304" pitchFamily="18" charset="0"/>
+                          <a:ea typeface="標楷體" panose="03000509000000000000" pitchFamily="65" charset="-120"/>
+                          <a:cs typeface="Times New Roman" panose="02020603050405020304" pitchFamily="18" charset="0"/>
+                        </a:rPr>
+                        <a:t>Video in (IP CAM – TVP 5150) </a:t>
+                      </a:r>
+                    </a:p>
+                  </a:txBody>
+                  <a:tcPr/>
+                </a:tc>
+                <a:extLst>
+                  <a:ext uri="{0D108BD9-81ED-4DB2-BD59-A6C34878D82A}">
+                    <a16:rowId xmlns:a16="http://schemas.microsoft.com/office/drawing/2014/main" val="1404366953"/>
+                  </a:ext>
+                </a:extLst>
+              </a:tr>
+              <a:tr h="370840">
+                <a:tc>
+                  <a:txBody>
+                    <a:bodyPr/>
+                    <a:lstStyle/>
+                    <a:p>
+                      <a:r>
+                        <a:rPr lang="en-US" altLang="zh-TW" dirty="0">
+                          <a:latin typeface="Times New Roman" panose="02020603050405020304" pitchFamily="18" charset="0"/>
+                          <a:ea typeface="標楷體" panose="03000509000000000000" pitchFamily="65" charset="-120"/>
+                          <a:cs typeface="Times New Roman" panose="02020603050405020304" pitchFamily="18" charset="0"/>
+                        </a:rPr>
+                        <a:t>Input:</a:t>
+                      </a:r>
+                      <a:endParaRPr lang="zh-TW" altLang="en-US" dirty="0">
+                        <a:latin typeface="Times New Roman" panose="02020603050405020304" pitchFamily="18" charset="0"/>
+                        <a:ea typeface="標楷體" panose="03000509000000000000" pitchFamily="65" charset="-120"/>
+                        <a:cs typeface="Times New Roman" panose="02020603050405020304" pitchFamily="18" charset="0"/>
+                      </a:endParaRPr>
+                    </a:p>
+                  </a:txBody>
+                  <a:tcPr/>
+                </a:tc>
+                <a:tc>
+                  <a:txBody>
+                    <a:bodyPr/>
+                    <a:lstStyle/>
+                    <a:p>
+                      <a:r>
+                        <a:rPr lang="en-US" altLang="zh-TW" dirty="0">
+                          <a:latin typeface="Times New Roman" panose="02020603050405020304" pitchFamily="18" charset="0"/>
+                          <a:ea typeface="標楷體" panose="03000509000000000000" pitchFamily="65" charset="-120"/>
+                          <a:cs typeface="Times New Roman" panose="02020603050405020304" pitchFamily="18" charset="0"/>
+                        </a:rPr>
+                        <a:t>BT656</a:t>
+                      </a:r>
+                      <a:r>
+                        <a:rPr lang="zh-TW" altLang="en-US" dirty="0">
+                          <a:latin typeface="Times New Roman" panose="02020603050405020304" pitchFamily="18" charset="0"/>
+                          <a:ea typeface="標楷體" panose="03000509000000000000" pitchFamily="65" charset="-120"/>
+                          <a:cs typeface="Times New Roman" panose="02020603050405020304" pitchFamily="18" charset="0"/>
+                        </a:rPr>
+                        <a:t>訊號</a:t>
+                      </a:r>
+                      <a:r>
+                        <a:rPr lang="en-US" altLang="zh-TW" dirty="0">
+                          <a:latin typeface="Times New Roman" panose="02020603050405020304" pitchFamily="18" charset="0"/>
+                          <a:ea typeface="標楷體" panose="03000509000000000000" pitchFamily="65" charset="-120"/>
+                          <a:cs typeface="Times New Roman" panose="02020603050405020304" pitchFamily="18" charset="0"/>
+                        </a:rPr>
+                        <a:t>(YUV422)</a:t>
+                      </a:r>
+                      <a:endParaRPr lang="zh-TW" altLang="en-US" dirty="0">
+                        <a:latin typeface="Times New Roman" panose="02020603050405020304" pitchFamily="18" charset="0"/>
+                        <a:ea typeface="標楷體" panose="03000509000000000000" pitchFamily="65" charset="-120"/>
+                        <a:cs typeface="Times New Roman" panose="02020603050405020304" pitchFamily="18" charset="0"/>
+                      </a:endParaRPr>
+                    </a:p>
+                  </a:txBody>
+                  <a:tcPr/>
+                </a:tc>
+                <a:extLst>
+                  <a:ext uri="{0D108BD9-81ED-4DB2-BD59-A6C34878D82A}">
+                    <a16:rowId xmlns:a16="http://schemas.microsoft.com/office/drawing/2014/main" val="2398650068"/>
+                  </a:ext>
+                </a:extLst>
+              </a:tr>
+              <a:tr h="370840">
+                <a:tc>
+                  <a:txBody>
+                    <a:bodyPr/>
+                    <a:lstStyle/>
+                    <a:p>
+                      <a:r>
+                        <a:rPr lang="en-US" altLang="zh-TW" dirty="0">
+                          <a:latin typeface="Times New Roman" panose="02020603050405020304" pitchFamily="18" charset="0"/>
+                          <a:ea typeface="標楷體" panose="03000509000000000000" pitchFamily="65" charset="-120"/>
+                          <a:cs typeface="Times New Roman" panose="02020603050405020304" pitchFamily="18" charset="0"/>
+                        </a:rPr>
+                        <a:t>Output:</a:t>
+                      </a:r>
+                      <a:endParaRPr lang="zh-TW" altLang="en-US" dirty="0">
+                        <a:latin typeface="Times New Roman" panose="02020603050405020304" pitchFamily="18" charset="0"/>
+                        <a:ea typeface="標楷體" panose="03000509000000000000" pitchFamily="65" charset="-120"/>
+                        <a:cs typeface="Times New Roman" panose="02020603050405020304" pitchFamily="18" charset="0"/>
+                      </a:endParaRPr>
+                    </a:p>
+                  </a:txBody>
+                  <a:tcPr/>
+                </a:tc>
+                <a:tc>
+                  <a:txBody>
+                    <a:bodyPr/>
+                    <a:lstStyle/>
+                    <a:p>
+                      <a:r>
+                        <a:rPr lang="en-US" altLang="zh-TW" dirty="0" err="1">
+                          <a:latin typeface="Times New Roman" panose="02020603050405020304" pitchFamily="18" charset="0"/>
+                          <a:ea typeface="標楷體" panose="03000509000000000000" pitchFamily="65" charset="-120"/>
+                          <a:cs typeface="Times New Roman" panose="02020603050405020304" pitchFamily="18" charset="0"/>
+                        </a:rPr>
+                        <a:t>YCrCb</a:t>
+                      </a:r>
+                      <a:r>
+                        <a:rPr lang="zh-TW" altLang="en-US" dirty="0">
+                          <a:latin typeface="Times New Roman" panose="02020603050405020304" pitchFamily="18" charset="0"/>
+                          <a:ea typeface="標楷體" panose="03000509000000000000" pitchFamily="65" charset="-120"/>
+                          <a:cs typeface="Times New Roman" panose="02020603050405020304" pitchFamily="18" charset="0"/>
+                        </a:rPr>
+                        <a:t>訊號</a:t>
+                      </a:r>
+                    </a:p>
+                  </a:txBody>
+                  <a:tcPr/>
+                </a:tc>
+                <a:extLst>
+                  <a:ext uri="{0D108BD9-81ED-4DB2-BD59-A6C34878D82A}">
+                    <a16:rowId xmlns:a16="http://schemas.microsoft.com/office/drawing/2014/main" val="2653937211"/>
+                  </a:ext>
+                </a:extLst>
+              </a:tr>
+              <a:tr h="370840">
+                <a:tc>
+                  <a:txBody>
+                    <a:bodyPr/>
+                    <a:lstStyle/>
+                    <a:p>
+                      <a:r>
+                        <a:rPr lang="en-US" altLang="zh-TW" dirty="0">
+                          <a:latin typeface="Times New Roman" panose="02020603050405020304" pitchFamily="18" charset="0"/>
+                          <a:ea typeface="標楷體" panose="03000509000000000000" pitchFamily="65" charset="-120"/>
+                          <a:cs typeface="Times New Roman" panose="02020603050405020304" pitchFamily="18" charset="0"/>
+                        </a:rPr>
+                        <a:t>Parameters:</a:t>
+                      </a:r>
+                      <a:endParaRPr lang="zh-TW" altLang="en-US" dirty="0">
+                        <a:latin typeface="Times New Roman" panose="02020603050405020304" pitchFamily="18" charset="0"/>
+                        <a:ea typeface="標楷體" panose="03000509000000000000" pitchFamily="65" charset="-120"/>
+                        <a:cs typeface="Times New Roman" panose="02020603050405020304" pitchFamily="18" charset="0"/>
+                      </a:endParaRPr>
+                    </a:p>
+                  </a:txBody>
+                  <a:tcPr/>
+                </a:tc>
+                <a:tc>
+                  <a:txBody>
+                    <a:bodyPr/>
+                    <a:lstStyle/>
+                    <a:p>
+                      <a:endParaRPr lang="zh-TW" altLang="en-US" dirty="0">
+                        <a:latin typeface="Times New Roman" panose="02020603050405020304" pitchFamily="18" charset="0"/>
+                        <a:ea typeface="標楷體" panose="03000509000000000000" pitchFamily="65" charset="-120"/>
+                        <a:cs typeface="Times New Roman" panose="02020603050405020304" pitchFamily="18" charset="0"/>
+                      </a:endParaRPr>
+                    </a:p>
+                  </a:txBody>
+                  <a:tcPr/>
+                </a:tc>
+                <a:extLst>
+                  <a:ext uri="{0D108BD9-81ED-4DB2-BD59-A6C34878D82A}">
+                    <a16:rowId xmlns:a16="http://schemas.microsoft.com/office/drawing/2014/main" val="2758747889"/>
+                  </a:ext>
+                </a:extLst>
+              </a:tr>
+              <a:tr h="370840">
+                <a:tc>
+                  <a:txBody>
+                    <a:bodyPr/>
+                    <a:lstStyle/>
+                    <a:p>
+                      <a:r>
+                        <a:rPr lang="en-US" altLang="zh-TW" dirty="0">
+                          <a:latin typeface="Times New Roman" panose="02020603050405020304" pitchFamily="18" charset="0"/>
+                          <a:ea typeface="標楷體" panose="03000509000000000000" pitchFamily="65" charset="-120"/>
+                          <a:cs typeface="Times New Roman" panose="02020603050405020304" pitchFamily="18" charset="0"/>
+                        </a:rPr>
+                        <a:t>Method:</a:t>
+                      </a:r>
+                      <a:endParaRPr lang="zh-TW" altLang="en-US" dirty="0">
+                        <a:latin typeface="Times New Roman" panose="02020603050405020304" pitchFamily="18" charset="0"/>
+                        <a:ea typeface="標楷體" panose="03000509000000000000" pitchFamily="65" charset="-120"/>
+                        <a:cs typeface="Times New Roman" panose="02020603050405020304" pitchFamily="18" charset="0"/>
+                      </a:endParaRPr>
+                    </a:p>
+                  </a:txBody>
+                  <a:tcPr/>
+                </a:tc>
+                <a:tc>
+                  <a:txBody>
+                    <a:bodyPr/>
+                    <a:lstStyle/>
+                    <a:p>
+                      <a:r>
+                        <a:rPr lang="zh-TW" altLang="en-US" dirty="0">
+                          <a:latin typeface="Times New Roman" panose="02020603050405020304" pitchFamily="18" charset="0"/>
+                          <a:ea typeface="標楷體" panose="03000509000000000000" pitchFamily="65" charset="-120"/>
+                          <a:cs typeface="Times New Roman" panose="02020603050405020304" pitchFamily="18" charset="0"/>
+                        </a:rPr>
+                        <a:t>利用外部硬體將</a:t>
+                      </a:r>
+                      <a:r>
+                        <a:rPr lang="en-US" altLang="zh-TW" dirty="0">
+                          <a:latin typeface="Times New Roman" panose="02020603050405020304" pitchFamily="18" charset="0"/>
+                          <a:ea typeface="標楷體" panose="03000509000000000000" pitchFamily="65" charset="-120"/>
+                          <a:cs typeface="Times New Roman" panose="02020603050405020304" pitchFamily="18" charset="0"/>
+                        </a:rPr>
+                        <a:t>IP CAM</a:t>
+                      </a:r>
+                      <a:r>
+                        <a:rPr lang="zh-TW" altLang="en-US" dirty="0">
+                          <a:latin typeface="Times New Roman" panose="02020603050405020304" pitchFamily="18" charset="0"/>
+                          <a:ea typeface="標楷體" panose="03000509000000000000" pitchFamily="65" charset="-120"/>
+                          <a:cs typeface="Times New Roman" panose="02020603050405020304" pitchFamily="18" charset="0"/>
+                        </a:rPr>
+                        <a:t>訊號轉換為 </a:t>
+                      </a:r>
+                      <a:r>
+                        <a:rPr lang="en-US" altLang="zh-TW" dirty="0" err="1">
+                          <a:latin typeface="Times New Roman" panose="02020603050405020304" pitchFamily="18" charset="0"/>
+                          <a:ea typeface="標楷體" panose="03000509000000000000" pitchFamily="65" charset="-120"/>
+                          <a:cs typeface="Times New Roman" panose="02020603050405020304" pitchFamily="18" charset="0"/>
+                        </a:rPr>
+                        <a:t>YCrCb</a:t>
+                      </a:r>
+                      <a:r>
+                        <a:rPr lang="zh-TW" altLang="en-US" dirty="0">
+                          <a:latin typeface="Times New Roman" panose="02020603050405020304" pitchFamily="18" charset="0"/>
+                          <a:ea typeface="標楷體" panose="03000509000000000000" pitchFamily="65" charset="-120"/>
+                          <a:cs typeface="Times New Roman" panose="02020603050405020304" pitchFamily="18" charset="0"/>
+                        </a:rPr>
+                        <a:t>訊號</a:t>
+                      </a:r>
+                    </a:p>
+                  </a:txBody>
+                  <a:tcPr/>
+                </a:tc>
+                <a:extLst>
+                  <a:ext uri="{0D108BD9-81ED-4DB2-BD59-A6C34878D82A}">
+                    <a16:rowId xmlns:a16="http://schemas.microsoft.com/office/drawing/2014/main" val="3474680297"/>
+                  </a:ext>
+                </a:extLst>
+              </a:tr>
+            </a:tbl>
+          </a:graphicData>
+        </a:graphic>
+      </p:graphicFrame>
     </p:spTree>
     <p:extLst>
       <p:ext uri="{BB962C8B-B14F-4D97-AF65-F5344CB8AC3E}">
-        <p14:creationId xmlns:p14="http://schemas.microsoft.com/office/powerpoint/2010/main" val="3758964344"/>
+        <p14:creationId xmlns:p14="http://schemas.microsoft.com/office/powerpoint/2010/main" val="2039960387"/>
       </p:ext>
     </p:extLst>
   </p:cSld>
